--- a/Presentation/BRAIN RAIN.pptx
+++ b/Presentation/BRAIN RAIN.pptx
@@ -6,9 +6,13 @@
   </p:sldMasterIdLst>
   <p:sldIdLst>
     <p:sldId id="257" r:id="rId2"/>
-    <p:sldId id="258" r:id="rId3"/>
-    <p:sldId id="260" r:id="rId4"/>
-    <p:sldId id="262" r:id="rId5"/>
+    <p:sldId id="260" r:id="rId3"/>
+    <p:sldId id="262" r:id="rId4"/>
+    <p:sldId id="263" r:id="rId5"/>
+    <p:sldId id="264" r:id="rId6"/>
+    <p:sldId id="266" r:id="rId7"/>
+    <p:sldId id="267" r:id="rId8"/>
+    <p:sldId id="268" r:id="rId9"/>
   </p:sldIdLst>
   <p:sldSz cx="12192000" cy="6858000"/>
   <p:notesSz cx="6858000" cy="9144000"/>
@@ -359,7 +363,7 @@
           <a:p>
             <a:fld id="{9184DA70-C731-4C70-880D-CCD4705E623C}" type="datetime1">
               <a:rPr lang="en-US" smtClean="0"/>
-              <a:t>1/30/2020</a:t>
+              <a:t>2/1/2020</a:t>
             </a:fld>
             <a:endParaRPr lang="en-US" dirty="0"/>
           </a:p>
@@ -547,7 +551,7 @@
           <a:p>
             <a:fld id="{B612A279-0833-481D-8C56-F67FD0AC6C50}" type="datetime1">
               <a:rPr lang="en-US" smtClean="0"/>
-              <a:t>1/30/2020</a:t>
+              <a:t>2/1/2020</a:t>
             </a:fld>
             <a:endParaRPr lang="en-US" dirty="0"/>
           </a:p>
@@ -789,7 +793,7 @@
           <a:p>
             <a:fld id="{6587DA83-5663-4C9C-B9AA-0B40A3DAFF81}" type="datetime1">
               <a:rPr lang="en-US" smtClean="0"/>
-              <a:t>1/30/2020</a:t>
+              <a:t>2/1/2020</a:t>
             </a:fld>
             <a:endParaRPr lang="en-US" dirty="0"/>
           </a:p>
@@ -977,7 +981,7 @@
           <a:p>
             <a:fld id="{4BE1D723-8F53-4F53-90B0-1982A396982E}" type="datetime1">
               <a:rPr lang="en-US" smtClean="0"/>
-              <a:t>1/30/2020</a:t>
+              <a:t>2/1/2020</a:t>
             </a:fld>
             <a:endParaRPr lang="en-US" dirty="0"/>
           </a:p>
@@ -1342,7 +1346,7 @@
           <a:p>
             <a:fld id="{97669AF7-7BEB-44E4-9852-375E34362B5B}" type="datetime1">
               <a:rPr lang="en-US" smtClean="0"/>
-              <a:t>1/30/2020</a:t>
+              <a:t>2/1/2020</a:t>
             </a:fld>
             <a:endParaRPr lang="en-US" dirty="0"/>
           </a:p>
@@ -1597,7 +1601,7 @@
           <a:p>
             <a:fld id="{BAAAC38D-0552-4C82-B593-E6124DFADBE2}" type="datetime1">
               <a:rPr lang="en-US" smtClean="0"/>
-              <a:t>1/30/2020</a:t>
+              <a:t>2/1/2020</a:t>
             </a:fld>
             <a:endParaRPr lang="en-US" dirty="0"/>
           </a:p>
@@ -1994,7 +1998,7 @@
           <a:p>
             <a:fld id="{D9DF0F1C-5577-4ACB-BB62-DF8F3C494C7E}" type="datetime1">
               <a:rPr lang="en-US" smtClean="0"/>
-              <a:t>1/30/2020</a:t>
+              <a:t>2/1/2020</a:t>
             </a:fld>
             <a:endParaRPr lang="en-US" dirty="0"/>
           </a:p>
@@ -2130,7 +2134,7 @@
           <a:p>
             <a:fld id="{1775B394-D9F9-4F0C-B15D-605F45CB9E9F}" type="datetime1">
               <a:rPr lang="en-US" smtClean="0"/>
-              <a:t>1/30/2020</a:t>
+              <a:t>2/1/2020</a:t>
             </a:fld>
             <a:endParaRPr lang="en-US" dirty="0"/>
           </a:p>
@@ -2287,7 +2291,7 @@
           <a:p>
             <a:fld id="{39667345-2558-425A-8533-9BFDBCE15005}" type="datetime1">
               <a:rPr lang="en-US" smtClean="0"/>
-              <a:t>1/30/2020</a:t>
+              <a:t>2/1/2020</a:t>
             </a:fld>
             <a:endParaRPr lang="en-US" dirty="0"/>
           </a:p>
@@ -2616,7 +2620,7 @@
           <a:p>
             <a:fld id="{92BEA474-078D-4E9B-9B14-09A87B19DC46}" type="datetime1">
               <a:rPr lang="en-US" smtClean="0"/>
-              <a:t>1/30/2020</a:t>
+              <a:t>2/1/2020</a:t>
             </a:fld>
             <a:endParaRPr lang="en-US" dirty="0"/>
           </a:p>
@@ -2966,7 +2970,7 @@
           <a:p>
             <a:fld id="{4907D986-8816-4272-A432-0437A28A9828}" type="datetime1">
               <a:rPr lang="en-US" smtClean="0"/>
-              <a:t>1/30/2020</a:t>
+              <a:t>2/1/2020</a:t>
             </a:fld>
             <a:endParaRPr lang="en-US" dirty="0"/>
           </a:p>
@@ -3257,7 +3261,7 @@
           <a:p>
             <a:fld id="{62D6E202-B606-4609-B914-27C9371A1F6D}" type="datetime1">
               <a:rPr lang="en-US" smtClean="0"/>
-              <a:t>1/30/2020</a:t>
+              <a:t>2/1/2020</a:t>
             </a:fld>
             <a:endParaRPr lang="en-US" dirty="0"/>
           </a:p>
@@ -3788,7 +3792,7 @@
                 <a16:creationId xmlns:a16="http://schemas.microsoft.com/office/drawing/2014/main" id="{A9286AD2-18A9-4868-A4E3-7A2097A20810}"/>
               </a:ext>
               <a:ext uri="{C183D7F6-B498-43B3-948B-1728B52AA6E4}">
-                <adec:decorative xmlns:adec="http://schemas.microsoft.com/office/drawing/2017/decorative" xmlns="" val="1"/>
+                <adec:decorative xmlns="" xmlns:adec="http://schemas.microsoft.com/office/drawing/2017/decorative" val="1"/>
               </a:ext>
             </a:extLst>
           </p:cNvPr>
@@ -3869,15 +3873,30 @@
           <a:lstStyle/>
           <a:p>
             <a:r>
+              <a:rPr lang="en-US" sz="6000" b="1" dirty="0" smtClean="0"/>
+              <a:t>SMART INDIA</a:t>
+            </a:r>
+            <a:br>
+              <a:rPr lang="en-US" sz="6000" b="1" dirty="0" smtClean="0"/>
+            </a:br>
+            <a:r>
+              <a:rPr lang="en-US" sz="6000" b="1" dirty="0" smtClean="0"/>
+              <a:t>HACKATHON</a:t>
+            </a:r>
+            <a:r>
               <a:rPr lang="en-US" sz="7200" b="1" dirty="0" smtClean="0"/>
-              <a:t>BRAIN RAIN</a:t>
+              <a:t/>
             </a:r>
             <a:br>
               <a:rPr lang="en-US" sz="7200" b="1" dirty="0" smtClean="0"/>
             </a:br>
             <a:r>
               <a:rPr lang="en-US" sz="3600" dirty="0" smtClean="0"/>
-              <a:t>HEART RATE MONITERING SYSTEM</a:t>
+              <a:t>VITALS </a:t>
+            </a:r>
+            <a:r>
+              <a:rPr lang="en-US" sz="3600" dirty="0" smtClean="0"/>
+              <a:t>MONITERING SYSTEM</a:t>
             </a:r>
             <a:endParaRPr lang="en-US" sz="3600" dirty="0"/>
           </a:p>
@@ -3902,12 +3921,12 @@
         <p:spPr>
           <a:xfrm>
             <a:off x="5427754" y="4181316"/>
-            <a:ext cx="6269347" cy="2008221"/>
+            <a:ext cx="6269347" cy="2559118"/>
           </a:xfrm>
         </p:spPr>
         <p:txBody>
           <a:bodyPr>
-            <a:normAutofit fontScale="70000" lnSpcReduction="20000"/>
+            <a:normAutofit fontScale="55000" lnSpcReduction="20000"/>
           </a:bodyPr>
           <a:lstStyle/>
           <a:p>
@@ -3921,7 +3940,19 @@
                 </a:solidFill>
                 <a:latin typeface="+mj-lt"/>
               </a:rPr>
-              <a:t>                   </a:t>
+              <a:t>                 </a:t>
+            </a:r>
+            <a:r>
+              <a:rPr lang="en-US" dirty="0" smtClean="0">
+                <a:solidFill>
+                  <a:schemeClr val="tx1">
+                    <a:lumMod val="85000"/>
+                    <a:lumOff val="15000"/>
+                  </a:schemeClr>
+                </a:solidFill>
+                <a:latin typeface="+mj-lt"/>
+              </a:rPr>
+              <a:t>        </a:t>
             </a:r>
             <a:r>
               <a:rPr lang="en-US" b="1" dirty="0" smtClean="0">
@@ -3935,8 +3966,41 @@
               </a:rPr>
               <a:t>THE CODE CRAFTERS   </a:t>
             </a:r>
-          </a:p>
-          <a:p>
+            <a:endParaRPr lang="en-US" b="1" dirty="0" smtClean="0">
+              <a:solidFill>
+                <a:schemeClr val="tx1">
+                  <a:lumMod val="85000"/>
+                  <a:lumOff val="15000"/>
+                </a:schemeClr>
+              </a:solidFill>
+              <a:latin typeface="+mj-lt"/>
+            </a:endParaRPr>
+          </a:p>
+          <a:p>
+            <a:r>
+              <a:rPr lang="en-US" sz="2400" b="1" dirty="0">
+                <a:solidFill>
+                  <a:schemeClr val="tx1">
+                    <a:lumMod val="85000"/>
+                    <a:lumOff val="15000"/>
+                  </a:schemeClr>
+                </a:solidFill>
+                <a:latin typeface="+mj-lt"/>
+              </a:rPr>
+              <a:t>	</a:t>
+            </a:r>
+            <a:r>
+              <a:rPr lang="en-US" sz="2400" b="1" dirty="0" smtClean="0">
+                <a:solidFill>
+                  <a:schemeClr val="tx1">
+                    <a:lumMod val="85000"/>
+                    <a:lumOff val="15000"/>
+                  </a:schemeClr>
+                </a:solidFill>
+                <a:latin typeface="+mj-lt"/>
+              </a:rPr>
+              <a:t>	</a:t>
+            </a:r>
             <a:r>
               <a:rPr lang="en-US" sz="2400" dirty="0" smtClean="0">
                 <a:solidFill>
@@ -3947,7 +4011,19 @@
                 </a:solidFill>
                 <a:latin typeface="+mj-lt"/>
               </a:rPr>
-              <a:t>                   AAYUSHI PANDEY</a:t>
+              <a:t> </a:t>
+            </a:r>
+            <a:r>
+              <a:rPr lang="en-US" sz="2400" dirty="0" smtClean="0">
+                <a:solidFill>
+                  <a:schemeClr val="tx1">
+                    <a:lumMod val="85000"/>
+                    <a:lumOff val="15000"/>
+                  </a:schemeClr>
+                </a:solidFill>
+                <a:latin typeface="+mj-lt"/>
+              </a:rPr>
+              <a:t>AAYUSHI PANDEY</a:t>
             </a:r>
           </a:p>
           <a:p>
@@ -3961,8 +4037,67 @@
                 </a:solidFill>
                 <a:latin typeface="+mj-lt"/>
               </a:rPr>
-              <a:t>                   ABHINAV KESARI</a:t>
-            </a:r>
+              <a:t>                  </a:t>
+            </a:r>
+            <a:r>
+              <a:rPr lang="en-US" dirty="0" smtClean="0">
+                <a:solidFill>
+                  <a:schemeClr val="tx1">
+                    <a:lumMod val="85000"/>
+                    <a:lumOff val="15000"/>
+                  </a:schemeClr>
+                </a:solidFill>
+                <a:latin typeface="+mj-lt"/>
+              </a:rPr>
+              <a:t>	 </a:t>
+            </a:r>
+            <a:r>
+              <a:rPr lang="en-US" dirty="0" smtClean="0">
+                <a:solidFill>
+                  <a:schemeClr val="tx1">
+                    <a:lumMod val="85000"/>
+                    <a:lumOff val="15000"/>
+                  </a:schemeClr>
+                </a:solidFill>
+                <a:latin typeface="+mj-lt"/>
+              </a:rPr>
+              <a:t>ABHINAV </a:t>
+            </a:r>
+            <a:r>
+              <a:rPr lang="en-US" dirty="0" smtClean="0">
+                <a:solidFill>
+                  <a:schemeClr val="tx1">
+                    <a:lumMod val="85000"/>
+                    <a:lumOff val="15000"/>
+                  </a:schemeClr>
+                </a:solidFill>
+                <a:latin typeface="+mj-lt"/>
+              </a:rPr>
+              <a:t>KESARI</a:t>
+            </a:r>
+          </a:p>
+          <a:p>
+            <a:r>
+              <a:rPr lang="en-US" dirty="0" smtClean="0">
+                <a:solidFill>
+                  <a:schemeClr val="tx1">
+                    <a:lumMod val="85000"/>
+                    <a:lumOff val="15000"/>
+                  </a:schemeClr>
+                </a:solidFill>
+                <a:latin typeface="+mj-lt"/>
+              </a:rPr>
+              <a:t>                	 ASHI GUPTA</a:t>
+            </a:r>
+            <a:endParaRPr lang="en-US" dirty="0" smtClean="0">
+              <a:solidFill>
+                <a:schemeClr val="tx1">
+                  <a:lumMod val="85000"/>
+                  <a:lumOff val="15000"/>
+                </a:schemeClr>
+              </a:solidFill>
+              <a:latin typeface="+mj-lt"/>
+            </a:endParaRPr>
           </a:p>
           <a:p>
             <a:r>
@@ -3975,7 +4110,31 @@
                 </a:solidFill>
                 <a:latin typeface="+mj-lt"/>
               </a:rPr>
-              <a:t>                   BHAGATPREET SINGH NAGI</a:t>
+              <a:t>      </a:t>
+            </a:r>
+            <a:r>
+              <a:rPr lang="en-US" sz="2400" dirty="0" smtClean="0">
+                <a:solidFill>
+                  <a:schemeClr val="tx1">
+                    <a:lumMod val="85000"/>
+                    <a:lumOff val="15000"/>
+                  </a:schemeClr>
+                </a:solidFill>
+                <a:latin typeface="+mj-lt"/>
+              </a:rPr>
+              <a:t>	             </a:t>
+            </a:r>
+            <a:r>
+              <a:rPr lang="en-US" sz="2400" dirty="0" smtClean="0">
+                <a:solidFill>
+                  <a:schemeClr val="tx1">
+                    <a:lumMod val="85000"/>
+                    <a:lumOff val="15000"/>
+                  </a:schemeClr>
+                </a:solidFill>
+                <a:latin typeface="+mj-lt"/>
+              </a:rPr>
+              <a:t>BHAGATPREET SINGH NAGI</a:t>
             </a:r>
           </a:p>
           <a:p>
@@ -3989,7 +4148,69 @@
                 </a:solidFill>
                 <a:latin typeface="+mj-lt"/>
               </a:rPr>
-              <a:t>                   SAMYAK JAIN</a:t>
+              <a:t>      </a:t>
+            </a:r>
+            <a:r>
+              <a:rPr lang="en-US" dirty="0" smtClean="0">
+                <a:solidFill>
+                  <a:schemeClr val="tx1">
+                    <a:lumMod val="85000"/>
+                    <a:lumOff val="15000"/>
+                  </a:schemeClr>
+                </a:solidFill>
+                <a:latin typeface="+mj-lt"/>
+              </a:rPr>
+              <a:t>	             </a:t>
+            </a:r>
+            <a:r>
+              <a:rPr lang="en-US" dirty="0" smtClean="0">
+                <a:solidFill>
+                  <a:schemeClr val="tx1">
+                    <a:lumMod val="85000"/>
+                    <a:lumOff val="15000"/>
+                  </a:schemeClr>
+                </a:solidFill>
+                <a:latin typeface="+mj-lt"/>
+              </a:rPr>
+              <a:t>SAMYAK </a:t>
+            </a:r>
+            <a:r>
+              <a:rPr lang="en-US" dirty="0" smtClean="0">
+                <a:solidFill>
+                  <a:schemeClr val="tx1">
+                    <a:lumMod val="85000"/>
+                    <a:lumOff val="15000"/>
+                  </a:schemeClr>
+                </a:solidFill>
+                <a:latin typeface="+mj-lt"/>
+              </a:rPr>
+              <a:t>JAIN</a:t>
+            </a:r>
+          </a:p>
+          <a:p>
+            <a:r>
+              <a:rPr lang="en-US" sz="2400" dirty="0">
+                <a:solidFill>
+                  <a:schemeClr val="tx1">
+                    <a:lumMod val="85000"/>
+                    <a:lumOff val="15000"/>
+                  </a:schemeClr>
+                </a:solidFill>
+                <a:latin typeface="+mj-lt"/>
+              </a:rPr>
+              <a:t> </a:t>
+            </a:r>
+            <a:r>
+              <a:rPr lang="en-US" sz="2400" dirty="0" smtClean="0">
+                <a:solidFill>
+                  <a:schemeClr val="tx1">
+                    <a:lumMod val="85000"/>
+                    <a:lumOff val="15000"/>
+                  </a:schemeClr>
+                </a:solidFill>
+                <a:latin typeface="+mj-lt"/>
+              </a:rPr>
+              <a:t>     	             TANMAY GUPTA</a:t>
             </a:r>
             <a:endParaRPr lang="en-US" sz="2400" dirty="0">
               <a:solidFill>
@@ -4046,7 +4267,7 @@
                 <a16:creationId xmlns:a16="http://schemas.microsoft.com/office/drawing/2014/main" id="{E7A7CD63-7EC3-44F3-95D0-595C4019FF24}"/>
               </a:ext>
               <a:ext uri="{C183D7F6-B498-43B3-948B-1728B52AA6E4}">
-                <adec:decorative xmlns:adec="http://schemas.microsoft.com/office/drawing/2017/decorative" xmlns="" val="1"/>
+                <adec:decorative xmlns="" xmlns:adec="http://schemas.microsoft.com/office/drawing/2017/decorative" val="1"/>
               </a:ext>
             </a:extLst>
           </p:cNvPr>
@@ -4125,73 +4346,39 @@
       </p:grpSpPr>
       <p:sp>
         <p:nvSpPr>
-          <p:cNvPr id="47" name="Rectangle 46">
+          <p:cNvPr id="2" name="Title 1">
             <a:extLst>
               <a:ext uri="{FF2B5EF4-FFF2-40B4-BE49-F238E27FC236}">
-                <a16:creationId xmlns:a16="http://schemas.microsoft.com/office/drawing/2014/main" id="{FBDCECDC-EEE3-4128-AA5E-82A8C08796E8}"/>
-              </a:ext>
-              <a:ext uri="{C183D7F6-B498-43B3-948B-1728B52AA6E4}">
-                <adec:decorative xmlns:adec="http://schemas.microsoft.com/office/drawing/2017/decorative" xmlns="" val="1"/>
+                <a16:creationId xmlns:a16="http://schemas.microsoft.com/office/drawing/2014/main" id="{778BFF3D-7FCB-4D69-BAA7-049F51B6AB2A}"/>
               </a:ext>
             </a:extLst>
           </p:cNvPr>
           <p:cNvSpPr>
-            <a:spLocks noGrp="1" noRot="1" noChangeAspect="1" noMove="1" noResize="1" noEditPoints="1" noAdjustHandles="1" noChangeArrowheads="1" noChangeShapeType="1" noTextEdit="1"/>
-          </p:cNvSpPr>
-          <p:nvPr>
-            <p:extLst>
-              <p:ext uri="{386F3935-93C4-4BCD-93E2-E3B085C9AB24}">
-                <p16:designElem xmlns:p16="http://schemas.microsoft.com/office/powerpoint/2015/main" val="1"/>
-              </p:ext>
-            </p:extLst>
-          </p:nvPr>
-        </p:nvSpPr>
-        <p:spPr>
-          <a:xfrm>
-            <a:off x="1507" y="0"/>
-            <a:ext cx="12192000" cy="6858000"/>
-          </a:xfrm>
-          <a:prstGeom prst="rect">
-            <a:avLst/>
-          </a:prstGeom>
-          <a:solidFill>
-            <a:schemeClr val="accent1"/>
-          </a:solidFill>
-          <a:ln>
-            <a:noFill/>
-          </a:ln>
-        </p:spPr>
-        <p:style>
-          <a:lnRef idx="2">
-            <a:schemeClr val="accent1">
-              <a:shade val="50000"/>
-            </a:schemeClr>
-          </a:lnRef>
-          <a:fillRef idx="1">
-            <a:schemeClr val="accent1"/>
-          </a:fillRef>
-          <a:effectRef idx="0">
-            <a:schemeClr val="accent1"/>
-          </a:effectRef>
-          <a:fontRef idx="minor">
-            <a:schemeClr val="lt1"/>
-          </a:fontRef>
-        </p:style>
-        <p:txBody>
-          <a:bodyPr rtlCol="0" anchor="ctr"/>
+            <a:spLocks noGrp="1"/>
+          </p:cNvSpPr>
+          <p:nvPr>
+            <p:ph type="title"/>
+          </p:nvPr>
+        </p:nvSpPr>
+        <p:spPr/>
+        <p:txBody>
+          <a:bodyPr/>
           <a:lstStyle/>
           <a:p>
             <a:pPr algn="ctr"/>
-            <a:endParaRPr lang="en-US"/>
-          </a:p>
-        </p:txBody>
-      </p:sp>
-      <p:sp>
-        <p:nvSpPr>
-          <p:cNvPr id="2" name="Title 1">
+            <a:r>
+              <a:rPr lang="en-IN" dirty="0"/>
+              <a:t>ABOUT THE PROJECT</a:t>
+            </a:r>
+          </a:p>
+        </p:txBody>
+      </p:sp>
+      <p:sp>
+        <p:nvSpPr>
+          <p:cNvPr id="3" name="Content Placeholder 2">
             <a:extLst>
               <a:ext uri="{FF2B5EF4-FFF2-40B4-BE49-F238E27FC236}">
-                <a16:creationId xmlns:a16="http://schemas.microsoft.com/office/drawing/2014/main" id="{9AB2EA78-AEB3-469B-9025-3B17201A457B}"/>
+                <a16:creationId xmlns:a16="http://schemas.microsoft.com/office/drawing/2014/main" id="{A38B03F9-F473-428A-90A1-C6D6AFCCECF4}"/>
               </a:ext>
             </a:extLst>
           </p:cNvPr>
@@ -4199,110 +4386,10 @@
             <a:spLocks noGrp="1"/>
           </p:cNvSpPr>
           <p:nvPr>
-            <p:ph type="ctrTitle"/>
-          </p:nvPr>
-        </p:nvSpPr>
-        <p:spPr>
-          <a:xfrm>
-            <a:off x="1097280" y="758952"/>
-            <a:ext cx="10058400" cy="3892168"/>
-          </a:xfrm>
-        </p:spPr>
-        <p:txBody>
-          <a:bodyPr anchor="ctr">
-            <a:normAutofit/>
-          </a:bodyPr>
-          <a:lstStyle/>
-          <a:p>
-            <a:pPr lvl="0"/>
-            <a:r>
-              <a:rPr lang="en-US" sz="4800" i="1" dirty="0">
-                <a:solidFill>
-                  <a:srgbClr val="FFFFFF"/>
-                </a:solidFill>
-              </a:rPr>
-              <a:t>Your best quote that reflects your approach… “It’s one small step for man, one giant leap for mankind.”</a:t>
-            </a:r>
-          </a:p>
-        </p:txBody>
-      </p:sp>
-      <p:sp>
-        <p:nvSpPr>
-          <p:cNvPr id="49" name="Rectangle 48">
-            <a:extLst>
-              <a:ext uri="{FF2B5EF4-FFF2-40B4-BE49-F238E27FC236}">
-                <a16:creationId xmlns:a16="http://schemas.microsoft.com/office/drawing/2014/main" id="{4260EDE0-989C-4E16-AF94-F652294D828E}"/>
-              </a:ext>
-              <a:ext uri="{C183D7F6-B498-43B3-948B-1728B52AA6E4}">
-                <adec:decorative xmlns:adec="http://schemas.microsoft.com/office/drawing/2017/decorative" xmlns="" val="1"/>
-              </a:ext>
-            </a:extLst>
-          </p:cNvPr>
-          <p:cNvSpPr>
-            <a:spLocks noGrp="1" noRot="1" noChangeAspect="1" noMove="1" noResize="1" noEditPoints="1" noAdjustHandles="1" noChangeArrowheads="1" noChangeShapeType="1" noTextEdit="1"/>
-          </p:cNvSpPr>
-          <p:nvPr>
-            <p:extLst>
-              <p:ext uri="{386F3935-93C4-4BCD-93E2-E3B085C9AB24}">
-                <p16:designElem xmlns:p16="http://schemas.microsoft.com/office/powerpoint/2015/main" val="1"/>
-              </p:ext>
-            </p:extLst>
-          </p:nvPr>
-        </p:nvSpPr>
-        <p:spPr bwMode="white">
-          <a:xfrm>
-            <a:off x="1507" y="4953000"/>
-            <a:ext cx="12188952" cy="1905000"/>
-          </a:xfrm>
-          <a:prstGeom prst="rect">
-            <a:avLst/>
-          </a:prstGeom>
-          <a:solidFill>
-            <a:srgbClr val="262626"/>
-          </a:solidFill>
-          <a:ln>
-            <a:noFill/>
-          </a:ln>
-        </p:spPr>
-        <p:style>
-          <a:lnRef idx="2">
-            <a:schemeClr val="accent1">
-              <a:shade val="50000"/>
-            </a:schemeClr>
-          </a:lnRef>
-          <a:fillRef idx="1">
-            <a:schemeClr val="accent1"/>
-          </a:fillRef>
-          <a:effectRef idx="0">
-            <a:schemeClr val="accent1"/>
-          </a:effectRef>
-          <a:fontRef idx="minor">
-            <a:schemeClr val="lt1"/>
-          </a:fontRef>
-        </p:style>
-      </p:sp>
-      <p:sp>
-        <p:nvSpPr>
-          <p:cNvPr id="3" name="Subtitle 2">
-            <a:extLst>
-              <a:ext uri="{FF2B5EF4-FFF2-40B4-BE49-F238E27FC236}">
-                <a16:creationId xmlns:a16="http://schemas.microsoft.com/office/drawing/2014/main" id="{255E1F2F-E259-4EA8-9FFD-3A10AF541859}"/>
-              </a:ext>
-            </a:extLst>
-          </p:cNvPr>
-          <p:cNvSpPr>
-            <a:spLocks noGrp="1"/>
-          </p:cNvSpPr>
-          <p:nvPr>
-            <p:ph type="subTitle" idx="1"/>
-          </p:nvPr>
-        </p:nvSpPr>
-        <p:spPr>
-          <a:xfrm>
-            <a:off x="1100051" y="5225240"/>
-            <a:ext cx="10058400" cy="1143000"/>
-          </a:xfrm>
-        </p:spPr>
+            <p:ph idx="1"/>
+          </p:nvPr>
+        </p:nvSpPr>
+        <p:spPr/>
         <p:txBody>
           <a:bodyPr>
             <a:normAutofit/>
@@ -4310,12 +4397,70 @@
           <a:lstStyle/>
           <a:p>
             <a:r>
-              <a:rPr lang="en-US">
+              <a:rPr lang="en-IN" sz="2400" dirty="0">
+                <a:latin typeface="+mj-lt"/>
+              </a:rPr>
+              <a:t>Theme :  </a:t>
+            </a:r>
+            <a:r>
+              <a:rPr lang="en-IN" sz="2400" dirty="0" smtClean="0">
+                <a:latin typeface="+mj-lt"/>
+              </a:rPr>
+              <a:t>Healthcare and Bio-Medical Devices</a:t>
+            </a:r>
+            <a:endParaRPr lang="en-IN" sz="2400" dirty="0">
+              <a:latin typeface="+mj-lt"/>
+            </a:endParaRPr>
+          </a:p>
+          <a:p>
+            <a:pPr marL="0" indent="0">
+              <a:buNone/>
+            </a:pPr>
+            <a:endParaRPr lang="en-IN" sz="2400" dirty="0">
+              <a:latin typeface="+mj-lt"/>
+            </a:endParaRPr>
+          </a:p>
+          <a:p>
+            <a:r>
+              <a:rPr lang="en-IN" sz="2400" dirty="0">
+                <a:latin typeface="+mj-lt"/>
+              </a:rPr>
+              <a:t>Problem Statement :  Notifying Doctor about irregularity in patient’s </a:t>
+            </a:r>
+            <a:r>
+              <a:rPr lang="en-IN" sz="2400" dirty="0" smtClean="0">
+                <a:latin typeface="+mj-lt"/>
+              </a:rPr>
+              <a:t>vitals</a:t>
+            </a:r>
+            <a:r>
+              <a:rPr lang="en-IN" sz="2400" dirty="0" smtClean="0">
+                <a:latin typeface="+mj-lt"/>
+              </a:rPr>
+              <a:t>, </a:t>
+            </a:r>
+            <a:r>
+              <a:rPr lang="en-IN" sz="2400" dirty="0">
+                <a:latin typeface="+mj-lt"/>
+              </a:rPr>
+              <a:t>prompting to check up on the patient, along with an </a:t>
+            </a:r>
+            <a:r>
+              <a:rPr lang="en-IN" sz="2400" b="1" dirty="0">
                 <a:solidFill>
-                  <a:srgbClr val="FFFFFF"/>
+                  <a:schemeClr val="tx1">
+                    <a:lumMod val="95000"/>
+                  </a:schemeClr>
                 </a:solidFill>
-              </a:rPr>
-              <a:t>- Neil Armstrong</a:t>
+                <a:latin typeface="+mj-lt"/>
+              </a:rPr>
+              <a:t>EMERGENCY</a:t>
+            </a:r>
+            <a:r>
+              <a:rPr lang="en-IN" sz="2400" dirty="0">
+                <a:latin typeface="+mj-lt"/>
+              </a:rPr>
+              <a:t> mode.</a:t>
             </a:r>
           </a:p>
         </p:txBody>
@@ -4323,7 +4468,7 @@
     </p:spTree>
     <p:extLst>
       <p:ext uri="{BB962C8B-B14F-4D97-AF65-F5344CB8AC3E}">
-        <p14:creationId xmlns:p14="http://schemas.microsoft.com/office/powerpoint/2010/main" val="191714609"/>
+        <p14:creationId xmlns:p14="http://schemas.microsoft.com/office/powerpoint/2010/main" val="38371344"/>
       </p:ext>
     </p:extLst>
   </p:cSld>
@@ -4355,127 +4500,6 @@
           <p:cNvPr id="2" name="Title 1">
             <a:extLst>
               <a:ext uri="{FF2B5EF4-FFF2-40B4-BE49-F238E27FC236}">
-                <a16:creationId xmlns:a16="http://schemas.microsoft.com/office/drawing/2014/main" id="{778BFF3D-7FCB-4D69-BAA7-049F51B6AB2A}"/>
-              </a:ext>
-            </a:extLst>
-          </p:cNvPr>
-          <p:cNvSpPr>
-            <a:spLocks noGrp="1"/>
-          </p:cNvSpPr>
-          <p:nvPr>
-            <p:ph type="title"/>
-          </p:nvPr>
-        </p:nvSpPr>
-        <p:spPr/>
-        <p:txBody>
-          <a:bodyPr/>
-          <a:lstStyle/>
-          <a:p>
-            <a:r>
-              <a:rPr lang="en-IN" dirty="0"/>
-              <a:t>ABOUT THE PROJECT</a:t>
-            </a:r>
-          </a:p>
-        </p:txBody>
-      </p:sp>
-      <p:sp>
-        <p:nvSpPr>
-          <p:cNvPr id="3" name="Content Placeholder 2">
-            <a:extLst>
-              <a:ext uri="{FF2B5EF4-FFF2-40B4-BE49-F238E27FC236}">
-                <a16:creationId xmlns:a16="http://schemas.microsoft.com/office/drawing/2014/main" id="{A38B03F9-F473-428A-90A1-C6D6AFCCECF4}"/>
-              </a:ext>
-            </a:extLst>
-          </p:cNvPr>
-          <p:cNvSpPr>
-            <a:spLocks noGrp="1"/>
-          </p:cNvSpPr>
-          <p:nvPr>
-            <p:ph idx="1"/>
-          </p:nvPr>
-        </p:nvSpPr>
-        <p:spPr/>
-        <p:txBody>
-          <a:bodyPr/>
-          <a:lstStyle/>
-          <a:p>
-            <a:r>
-              <a:rPr lang="en-IN" dirty="0">
-                <a:latin typeface="+mj-lt"/>
-              </a:rPr>
-              <a:t>Theme :  Medical</a:t>
-            </a:r>
-          </a:p>
-          <a:p>
-            <a:pPr marL="0" indent="0">
-              <a:buNone/>
-            </a:pPr>
-            <a:endParaRPr lang="en-IN" dirty="0">
-              <a:latin typeface="+mj-lt"/>
-            </a:endParaRPr>
-          </a:p>
-          <a:p>
-            <a:r>
-              <a:rPr lang="en-IN" dirty="0">
-                <a:latin typeface="+mj-lt"/>
-              </a:rPr>
-              <a:t>Problem Statement :  Notifying Doctor about irregularity in patient’s heart rate, prompting to check up on the patient, along with an </a:t>
-            </a:r>
-            <a:r>
-              <a:rPr lang="en-IN" b="1" dirty="0">
-                <a:solidFill>
-                  <a:schemeClr val="tx1">
-                    <a:lumMod val="95000"/>
-                  </a:schemeClr>
-                </a:solidFill>
-                <a:latin typeface="+mj-lt"/>
-              </a:rPr>
-              <a:t>EMERGENCY</a:t>
-            </a:r>
-            <a:r>
-              <a:rPr lang="en-IN" dirty="0">
-                <a:latin typeface="+mj-lt"/>
-              </a:rPr>
-              <a:t> mode.</a:t>
-            </a:r>
-          </a:p>
-        </p:txBody>
-      </p:sp>
-    </p:spTree>
-    <p:extLst>
-      <p:ext uri="{BB962C8B-B14F-4D97-AF65-F5344CB8AC3E}">
-        <p14:creationId xmlns:p14="http://schemas.microsoft.com/office/powerpoint/2010/main" val="38371344"/>
-      </p:ext>
-    </p:extLst>
-  </p:cSld>
-  <p:clrMapOvr>
-    <a:masterClrMapping/>
-  </p:clrMapOvr>
-</p:sld>
-</file>
-
-<file path=ppt/slides/slide4.xml><?xml version="1.0" encoding="utf-8"?>
-<p:sld xmlns:a="http://schemas.openxmlformats.org/drawingml/2006/main" xmlns:r="http://schemas.openxmlformats.org/officeDocument/2006/relationships" xmlns:p="http://schemas.openxmlformats.org/presentationml/2006/main">
-  <p:cSld>
-    <p:spTree>
-      <p:nvGrpSpPr>
-        <p:cNvPr id="1" name=""/>
-        <p:cNvGrpSpPr/>
-        <p:nvPr/>
-      </p:nvGrpSpPr>
-      <p:grpSpPr>
-        <a:xfrm>
-          <a:off x="0" y="0"/>
-          <a:ext cx="0" cy="0"/>
-          <a:chOff x="0" y="0"/>
-          <a:chExt cx="0" cy="0"/>
-        </a:xfrm>
-      </p:grpSpPr>
-      <p:sp>
-        <p:nvSpPr>
-          <p:cNvPr id="2" name="Title 1">
-            <a:extLst>
-              <a:ext uri="{FF2B5EF4-FFF2-40B4-BE49-F238E27FC236}">
                 <a16:creationId xmlns:a16="http://schemas.microsoft.com/office/drawing/2014/main" id="{9F650DF2-26EB-471F-AF05-F5A6B3B33BDD}"/>
               </a:ext>
             </a:extLst>
@@ -4492,6 +4516,7 @@
           <a:bodyPr/>
           <a:lstStyle/>
           <a:p>
+            <a:pPr algn="ctr"/>
             <a:r>
               <a:rPr lang="en-IN" dirty="0"/>
               <a:t>Problem</a:t>
@@ -4794,7 +4819,7 @@
               <a:defRPr/>
             </a:pPr>
             <a:r>
-              <a:rPr kumimoji="0" lang="en-IN" sz="7600" i="0" u="none" strike="noStrike" kern="1200" cap="none" spc="0" normalizeH="0" baseline="0" noProof="0" dirty="0" smtClean="0">
+              <a:rPr kumimoji="0" lang="en-IN" sz="9600" i="0" u="none" strike="noStrike" kern="1200" cap="none" spc="0" normalizeH="0" baseline="0" noProof="0" dirty="0" smtClean="0">
                 <a:ln w="50800"/>
                 <a:solidFill>
                   <a:schemeClr val="tx1">
@@ -4835,7 +4860,7 @@
               <a:defRPr/>
             </a:pPr>
             <a:r>
-              <a:rPr kumimoji="0" lang="en-IN" sz="7600" i="0" u="none" strike="noStrike" kern="1200" cap="none" spc="0" normalizeH="0" baseline="0" noProof="0" dirty="0">
+              <a:rPr kumimoji="0" lang="en-IN" sz="9600" i="0" u="none" strike="noStrike" kern="1200" cap="none" spc="0" normalizeH="0" baseline="0" noProof="0" dirty="0">
                 <a:ln>
                   <a:noFill/>
                 </a:ln>
@@ -5051,6 +5076,1322 @@
     <p:extLst>
       <p:ext uri="{BB962C8B-B14F-4D97-AF65-F5344CB8AC3E}">
         <p14:creationId xmlns:p14="http://schemas.microsoft.com/office/powerpoint/2010/main" val="1803233259"/>
+      </p:ext>
+    </p:extLst>
+  </p:cSld>
+  <p:clrMapOvr>
+    <a:masterClrMapping/>
+  </p:clrMapOvr>
+</p:sld>
+</file>
+
+<file path=ppt/slides/slide4.xml><?xml version="1.0" encoding="utf-8"?>
+<p:sld xmlns:a="http://schemas.openxmlformats.org/drawingml/2006/main" xmlns:r="http://schemas.openxmlformats.org/officeDocument/2006/relationships" xmlns:p="http://schemas.openxmlformats.org/presentationml/2006/main">
+  <p:cSld>
+    <p:spTree>
+      <p:nvGrpSpPr>
+        <p:cNvPr id="1" name=""/>
+        <p:cNvGrpSpPr/>
+        <p:nvPr/>
+      </p:nvGrpSpPr>
+      <p:grpSpPr>
+        <a:xfrm>
+          <a:off x="0" y="0"/>
+          <a:ext cx="0" cy="0"/>
+          <a:chOff x="0" y="0"/>
+          <a:chExt cx="0" cy="0"/>
+        </a:xfrm>
+      </p:grpSpPr>
+      <p:sp>
+        <p:nvSpPr>
+          <p:cNvPr id="2" name="Title 1"/>
+          <p:cNvSpPr>
+            <a:spLocks noGrp="1"/>
+          </p:cNvSpPr>
+          <p:nvPr>
+            <p:ph type="title"/>
+          </p:nvPr>
+        </p:nvSpPr>
+        <p:spPr/>
+        <p:txBody>
+          <a:bodyPr/>
+          <a:lstStyle/>
+          <a:p>
+            <a:pPr algn="ctr"/>
+            <a:r>
+              <a:rPr lang="en-US" dirty="0" smtClean="0"/>
+              <a:t>Solution</a:t>
+            </a:r>
+            <a:endParaRPr lang="en-US" dirty="0"/>
+          </a:p>
+        </p:txBody>
+      </p:sp>
+      <p:sp>
+        <p:nvSpPr>
+          <p:cNvPr id="3" name="Content Placeholder 2"/>
+          <p:cNvSpPr>
+            <a:spLocks noGrp="1"/>
+          </p:cNvSpPr>
+          <p:nvPr>
+            <p:ph idx="1"/>
+          </p:nvPr>
+        </p:nvSpPr>
+        <p:spPr/>
+        <p:txBody>
+          <a:bodyPr>
+            <a:normAutofit fontScale="92500" lnSpcReduction="10000"/>
+          </a:bodyPr>
+          <a:lstStyle/>
+          <a:p>
+            <a:r>
+              <a:rPr lang="en-US" sz="2400" dirty="0" smtClean="0">
+                <a:latin typeface="+mj-lt"/>
+              </a:rPr>
+              <a:t>More than 2 million people have to suffer because of delay in response to medical  emergencies.</a:t>
+            </a:r>
+          </a:p>
+          <a:p>
+            <a:pPr marL="0" lvl="0" indent="0" defTabSz="457200">
+              <a:lnSpc>
+                <a:spcPct val="100000"/>
+              </a:lnSpc>
+              <a:spcBef>
+                <a:spcPct val="20000"/>
+              </a:spcBef>
+              <a:spcAft>
+                <a:spcPts val="600"/>
+              </a:spcAft>
+              <a:buClr>
+                <a:srgbClr val="00C6BB"/>
+              </a:buClr>
+              <a:buSzTx/>
+              <a:buNone/>
+            </a:pPr>
+            <a:r>
+              <a:rPr lang="en-IN" sz="2400" dirty="0">
+                <a:latin typeface="+mj-lt"/>
+              </a:rPr>
+              <a:t> </a:t>
+            </a:r>
+            <a:endParaRPr lang="en-IN" sz="2400" dirty="0" smtClean="0">
+              <a:latin typeface="+mj-lt"/>
+            </a:endParaRPr>
+          </a:p>
+          <a:p>
+            <a:pPr marL="0" lvl="0" indent="0" defTabSz="457200">
+              <a:lnSpc>
+                <a:spcPct val="100000"/>
+              </a:lnSpc>
+              <a:spcBef>
+                <a:spcPct val="20000"/>
+              </a:spcBef>
+              <a:spcAft>
+                <a:spcPts val="600"/>
+              </a:spcAft>
+              <a:buClr>
+                <a:srgbClr val="00C6BB"/>
+              </a:buClr>
+              <a:buSzTx/>
+              <a:buNone/>
+            </a:pPr>
+            <a:r>
+              <a:rPr lang="en-IN" sz="2400" dirty="0">
+                <a:latin typeface="+mj-lt"/>
+              </a:rPr>
+              <a:t> </a:t>
+            </a:r>
+            <a:r>
+              <a:rPr lang="en-IN" sz="2400" dirty="0" smtClean="0">
+                <a:latin typeface="+mj-lt"/>
+              </a:rPr>
+              <a:t>It  </a:t>
+            </a:r>
+            <a:r>
+              <a:rPr lang="en-IN" sz="2400" dirty="0">
+                <a:latin typeface="+mj-lt"/>
+              </a:rPr>
+              <a:t>would be helpful if there is a way for these people to monitor their heart</a:t>
+            </a:r>
+            <a:r>
+              <a:rPr lang="en-IN" sz="2400" dirty="0" smtClean="0">
+                <a:latin typeface="+mj-lt"/>
+              </a:rPr>
+              <a:t>.</a:t>
+            </a:r>
+            <a:endParaRPr lang="en-IN" sz="2400" dirty="0">
+              <a:latin typeface="+mj-lt"/>
+            </a:endParaRPr>
+          </a:p>
+          <a:p>
+            <a:pPr marL="0" lvl="0" indent="0" defTabSz="457200">
+              <a:lnSpc>
+                <a:spcPct val="100000"/>
+              </a:lnSpc>
+              <a:spcBef>
+                <a:spcPct val="20000"/>
+              </a:spcBef>
+              <a:spcAft>
+                <a:spcPts val="600"/>
+              </a:spcAft>
+              <a:buClr>
+                <a:srgbClr val="00C6BB"/>
+              </a:buClr>
+              <a:buSzTx/>
+              <a:buNone/>
+            </a:pPr>
+            <a:r>
+              <a:rPr lang="en-IN" sz="2400" dirty="0" smtClean="0">
+                <a:latin typeface="+mj-lt"/>
+              </a:rPr>
+              <a:t> </a:t>
+            </a:r>
+          </a:p>
+          <a:p>
+            <a:pPr marL="0" lvl="0" indent="0" defTabSz="457200">
+              <a:lnSpc>
+                <a:spcPct val="100000"/>
+              </a:lnSpc>
+              <a:spcBef>
+                <a:spcPct val="20000"/>
+              </a:spcBef>
+              <a:spcAft>
+                <a:spcPts val="600"/>
+              </a:spcAft>
+              <a:buClr>
+                <a:srgbClr val="00C6BB"/>
+              </a:buClr>
+              <a:buSzTx/>
+              <a:buNone/>
+            </a:pPr>
+            <a:r>
+              <a:rPr lang="en-IN" sz="2400" dirty="0" smtClean="0">
+                <a:latin typeface="+mj-lt"/>
+              </a:rPr>
+              <a:t>We </a:t>
+            </a:r>
+            <a:r>
+              <a:rPr lang="en-IN" sz="2400" dirty="0">
+                <a:latin typeface="+mj-lt"/>
+              </a:rPr>
+              <a:t>made a product that will notify the patient’s family members or authorities</a:t>
+            </a:r>
+            <a:r>
+              <a:rPr lang="en-IN" sz="2400" dirty="0" smtClean="0">
+                <a:latin typeface="+mj-lt"/>
+              </a:rPr>
+              <a:t>,</a:t>
+            </a:r>
+          </a:p>
+          <a:p>
+            <a:pPr marL="0" lvl="0" indent="0" defTabSz="457200">
+              <a:lnSpc>
+                <a:spcPct val="100000"/>
+              </a:lnSpc>
+              <a:spcBef>
+                <a:spcPct val="20000"/>
+              </a:spcBef>
+              <a:spcAft>
+                <a:spcPts val="600"/>
+              </a:spcAft>
+              <a:buClr>
+                <a:srgbClr val="00C6BB"/>
+              </a:buClr>
+              <a:buSzTx/>
+              <a:buNone/>
+            </a:pPr>
+            <a:r>
+              <a:rPr lang="en-IN" sz="2400" dirty="0" smtClean="0">
+                <a:latin typeface="+mj-lt"/>
+              </a:rPr>
+              <a:t> who will </a:t>
+            </a:r>
+            <a:r>
+              <a:rPr lang="en-IN" sz="2400" dirty="0">
+                <a:latin typeface="+mj-lt"/>
+              </a:rPr>
+              <a:t>take action.</a:t>
+            </a:r>
+          </a:p>
+          <a:p>
+            <a:endParaRPr lang="en-US" dirty="0">
+              <a:latin typeface="+mj-lt"/>
+            </a:endParaRPr>
+          </a:p>
+        </p:txBody>
+      </p:sp>
+    </p:spTree>
+    <p:extLst>
+      <p:ext uri="{BB962C8B-B14F-4D97-AF65-F5344CB8AC3E}">
+        <p14:creationId xmlns:p14="http://schemas.microsoft.com/office/powerpoint/2010/main" val="3455505887"/>
+      </p:ext>
+    </p:extLst>
+  </p:cSld>
+  <p:clrMapOvr>
+    <a:masterClrMapping/>
+  </p:clrMapOvr>
+</p:sld>
+</file>
+
+<file path=ppt/slides/slide5.xml><?xml version="1.0" encoding="utf-8"?>
+<p:sld xmlns:a="http://schemas.openxmlformats.org/drawingml/2006/main" xmlns:r="http://schemas.openxmlformats.org/officeDocument/2006/relationships" xmlns:p="http://schemas.openxmlformats.org/presentationml/2006/main">
+  <p:cSld>
+    <p:spTree>
+      <p:nvGrpSpPr>
+        <p:cNvPr id="1" name=""/>
+        <p:cNvGrpSpPr/>
+        <p:nvPr/>
+      </p:nvGrpSpPr>
+      <p:grpSpPr>
+        <a:xfrm>
+          <a:off x="0" y="0"/>
+          <a:ext cx="0" cy="0"/>
+          <a:chOff x="0" y="0"/>
+          <a:chExt cx="0" cy="0"/>
+        </a:xfrm>
+      </p:grpSpPr>
+      <p:sp>
+        <p:nvSpPr>
+          <p:cNvPr id="2" name="Title 1"/>
+          <p:cNvSpPr>
+            <a:spLocks noGrp="1"/>
+          </p:cNvSpPr>
+          <p:nvPr>
+            <p:ph type="title"/>
+          </p:nvPr>
+        </p:nvSpPr>
+        <p:spPr/>
+        <p:txBody>
+          <a:bodyPr/>
+          <a:lstStyle/>
+          <a:p>
+            <a:pPr algn="ctr"/>
+            <a:r>
+              <a:rPr lang="en-US" dirty="0" smtClean="0"/>
+              <a:t>Applications</a:t>
+            </a:r>
+            <a:endParaRPr lang="en-US" dirty="0"/>
+          </a:p>
+        </p:txBody>
+      </p:sp>
+      <p:sp>
+        <p:nvSpPr>
+          <p:cNvPr id="3" name="Content Placeholder 2"/>
+          <p:cNvSpPr>
+            <a:spLocks noGrp="1"/>
+          </p:cNvSpPr>
+          <p:nvPr>
+            <p:ph idx="1"/>
+          </p:nvPr>
+        </p:nvSpPr>
+        <p:spPr/>
+        <p:txBody>
+          <a:bodyPr/>
+          <a:lstStyle/>
+          <a:p>
+            <a:pPr>
+              <a:buClr>
+                <a:schemeClr val="accent1">
+                  <a:lumMod val="75000"/>
+                </a:schemeClr>
+              </a:buClr>
+              <a:buFont typeface="Wingdings" panose="05000000000000000000" pitchFamily="2" charset="2"/>
+              <a:buChar char="§"/>
+            </a:pPr>
+            <a:r>
+              <a:rPr lang="en-US" sz="2400" dirty="0" smtClean="0"/>
+              <a:t> </a:t>
+            </a:r>
+            <a:r>
+              <a:rPr lang="en-US" sz="2400" dirty="0" smtClean="0">
+                <a:latin typeface="+mj-lt"/>
+              </a:rPr>
+              <a:t>Better and accurate device of measuring heart beat</a:t>
+            </a:r>
+          </a:p>
+          <a:p>
+            <a:pPr>
+              <a:buClr>
+                <a:schemeClr val="accent1">
+                  <a:lumMod val="75000"/>
+                </a:schemeClr>
+              </a:buClr>
+              <a:buFont typeface="Wingdings" panose="05000000000000000000" pitchFamily="2" charset="2"/>
+              <a:buChar char="§"/>
+            </a:pPr>
+            <a:r>
+              <a:rPr lang="en-US" sz="2400" dirty="0">
+                <a:latin typeface="+mj-lt"/>
+              </a:rPr>
+              <a:t> </a:t>
+            </a:r>
+            <a:r>
+              <a:rPr lang="en-US" sz="2400" dirty="0" smtClean="0">
+                <a:latin typeface="+mj-lt"/>
+              </a:rPr>
+              <a:t>Reliable device for measuring body temperature</a:t>
+            </a:r>
+          </a:p>
+          <a:p>
+            <a:pPr>
+              <a:buClr>
+                <a:schemeClr val="accent1">
+                  <a:lumMod val="75000"/>
+                </a:schemeClr>
+              </a:buClr>
+              <a:buFont typeface="Wingdings" panose="05000000000000000000" pitchFamily="2" charset="2"/>
+              <a:buChar char="§"/>
+            </a:pPr>
+            <a:r>
+              <a:rPr lang="en-US" sz="2400" dirty="0" smtClean="0">
+                <a:latin typeface="+mj-lt"/>
+              </a:rPr>
+              <a:t> Vitals can be measured at any place</a:t>
+            </a:r>
+          </a:p>
+          <a:p>
+            <a:pPr lvl="1">
+              <a:buClr>
+                <a:schemeClr val="accent1">
+                  <a:lumMod val="75000"/>
+                </a:schemeClr>
+              </a:buClr>
+              <a:buFont typeface="Wingdings" panose="05000000000000000000" pitchFamily="2" charset="2"/>
+              <a:buChar char="Ø"/>
+            </a:pPr>
+            <a:r>
+              <a:rPr lang="en-US" sz="1800" dirty="0" smtClean="0">
+                <a:latin typeface="+mj-lt"/>
+              </a:rPr>
+              <a:t> At home</a:t>
+            </a:r>
+          </a:p>
+          <a:p>
+            <a:pPr lvl="1">
+              <a:buClr>
+                <a:schemeClr val="accent1">
+                  <a:lumMod val="75000"/>
+                </a:schemeClr>
+              </a:buClr>
+              <a:buFont typeface="Wingdings" panose="05000000000000000000" pitchFamily="2" charset="2"/>
+              <a:buChar char="Ø"/>
+            </a:pPr>
+            <a:r>
+              <a:rPr lang="en-US" sz="1800" dirty="0" smtClean="0">
+                <a:latin typeface="+mj-lt"/>
+              </a:rPr>
+              <a:t>Workplace</a:t>
+            </a:r>
+          </a:p>
+          <a:p>
+            <a:pPr lvl="1">
+              <a:buClr>
+                <a:schemeClr val="accent1">
+                  <a:lumMod val="75000"/>
+                </a:schemeClr>
+              </a:buClr>
+              <a:buFont typeface="Wingdings" panose="05000000000000000000" pitchFamily="2" charset="2"/>
+              <a:buChar char="Ø"/>
+            </a:pPr>
+            <a:r>
+              <a:rPr lang="en-US" sz="1800" dirty="0" smtClean="0">
+                <a:latin typeface="+mj-lt"/>
+              </a:rPr>
+              <a:t>Hospital</a:t>
+            </a:r>
+          </a:p>
+          <a:p>
+            <a:pPr>
+              <a:buClr>
+                <a:schemeClr val="accent1">
+                  <a:lumMod val="75000"/>
+                </a:schemeClr>
+              </a:buClr>
+              <a:buFont typeface="Wingdings" panose="05000000000000000000" pitchFamily="2" charset="2"/>
+              <a:buChar char="§"/>
+            </a:pPr>
+            <a:r>
+              <a:rPr lang="en-US" sz="2400" dirty="0" smtClean="0">
+                <a:latin typeface="+mj-lt"/>
+              </a:rPr>
+              <a:t> At times of emergency doctor can be notified</a:t>
+            </a:r>
+          </a:p>
+          <a:p>
+            <a:pPr marL="201168" lvl="1" indent="0">
+              <a:buClr>
+                <a:schemeClr val="accent1">
+                  <a:lumMod val="75000"/>
+                </a:schemeClr>
+              </a:buClr>
+              <a:buNone/>
+            </a:pPr>
+            <a:r>
+              <a:rPr lang="en-US" sz="1800" dirty="0" smtClean="0"/>
+              <a:t>   </a:t>
+            </a:r>
+            <a:endParaRPr lang="en-US" sz="1800" dirty="0"/>
+          </a:p>
+        </p:txBody>
+      </p:sp>
+    </p:spTree>
+    <p:extLst>
+      <p:ext uri="{BB962C8B-B14F-4D97-AF65-F5344CB8AC3E}">
+        <p14:creationId xmlns:p14="http://schemas.microsoft.com/office/powerpoint/2010/main" val="702934656"/>
+      </p:ext>
+    </p:extLst>
+  </p:cSld>
+  <p:clrMapOvr>
+    <a:masterClrMapping/>
+  </p:clrMapOvr>
+</p:sld>
+</file>
+
+<file path=ppt/slides/slide6.xml><?xml version="1.0" encoding="utf-8"?>
+<p:sld xmlns:a="http://schemas.openxmlformats.org/drawingml/2006/main" xmlns:r="http://schemas.openxmlformats.org/officeDocument/2006/relationships" xmlns:p="http://schemas.openxmlformats.org/presentationml/2006/main">
+  <p:cSld>
+    <p:spTree>
+      <p:nvGrpSpPr>
+        <p:cNvPr id="1" name=""/>
+        <p:cNvGrpSpPr/>
+        <p:nvPr/>
+      </p:nvGrpSpPr>
+      <p:grpSpPr>
+        <a:xfrm>
+          <a:off x="0" y="0"/>
+          <a:ext cx="0" cy="0"/>
+          <a:chOff x="0" y="0"/>
+          <a:chExt cx="0" cy="0"/>
+        </a:xfrm>
+      </p:grpSpPr>
+      <p:sp>
+        <p:nvSpPr>
+          <p:cNvPr id="2" name="Title 1">
+            <a:extLst>
+              <a:ext uri="{FF2B5EF4-FFF2-40B4-BE49-F238E27FC236}">
+                <a16:creationId xmlns:a16="http://schemas.microsoft.com/office/drawing/2014/main" id="{29C6A23B-A42C-45CE-BB14-7B31C1F08401}"/>
+              </a:ext>
+            </a:extLst>
+          </p:cNvPr>
+          <p:cNvSpPr>
+            <a:spLocks noGrp="1"/>
+          </p:cNvSpPr>
+          <p:nvPr>
+            <p:ph type="title"/>
+          </p:nvPr>
+        </p:nvSpPr>
+        <p:spPr/>
+        <p:txBody>
+          <a:bodyPr/>
+          <a:lstStyle/>
+          <a:p>
+            <a:pPr algn="ctr"/>
+            <a:r>
+              <a:rPr lang="en-IN" dirty="0"/>
+              <a:t>HARDWARE USED</a:t>
+            </a:r>
+          </a:p>
+        </p:txBody>
+      </p:sp>
+      <p:sp>
+        <p:nvSpPr>
+          <p:cNvPr id="3" name="Content Placeholder 2">
+            <a:extLst>
+              <a:ext uri="{FF2B5EF4-FFF2-40B4-BE49-F238E27FC236}">
+                <a16:creationId xmlns:a16="http://schemas.microsoft.com/office/drawing/2014/main" id="{A3A51057-7960-4A8B-B572-882F10438714}"/>
+              </a:ext>
+            </a:extLst>
+          </p:cNvPr>
+          <p:cNvSpPr>
+            <a:spLocks noGrp="1"/>
+          </p:cNvSpPr>
+          <p:nvPr>
+            <p:ph idx="1"/>
+          </p:nvPr>
+        </p:nvSpPr>
+        <p:spPr>
+          <a:xfrm>
+            <a:off x="818712" y="2222287"/>
+            <a:ext cx="5277288" cy="3636511"/>
+          </a:xfrm>
+        </p:spPr>
+        <p:txBody>
+          <a:bodyPr>
+            <a:normAutofit/>
+          </a:bodyPr>
+          <a:lstStyle/>
+          <a:p>
+            <a:pPr marL="0" indent="0">
+              <a:buNone/>
+            </a:pPr>
+            <a:r>
+              <a:rPr lang="en-US" dirty="0"/>
+              <a:t>	</a:t>
+            </a:r>
+            <a:r>
+              <a:rPr lang="en-US" sz="2400" dirty="0">
+                <a:latin typeface="+mj-lt"/>
+              </a:rPr>
+              <a:t>1. Arduino Uno</a:t>
+            </a:r>
+          </a:p>
+          <a:p>
+            <a:pPr marL="0" indent="0">
+              <a:buNone/>
+            </a:pPr>
+            <a:endParaRPr lang="en-US" sz="2400" dirty="0">
+              <a:latin typeface="+mj-lt"/>
+            </a:endParaRPr>
+          </a:p>
+          <a:p>
+            <a:pPr marL="0" indent="0">
+              <a:buNone/>
+            </a:pPr>
+            <a:r>
+              <a:rPr lang="en-US" sz="2400" dirty="0" smtClean="0">
+                <a:latin typeface="+mj-lt"/>
+              </a:rPr>
+              <a:t>	2</a:t>
+            </a:r>
+            <a:r>
+              <a:rPr lang="en-US" sz="2400" dirty="0">
+                <a:latin typeface="+mj-lt"/>
+              </a:rPr>
+              <a:t>. </a:t>
+            </a:r>
+            <a:r>
+              <a:rPr lang="en-US" sz="2400" dirty="0" smtClean="0">
+                <a:latin typeface="+mj-lt"/>
+              </a:rPr>
+              <a:t>Pulse </a:t>
+            </a:r>
+            <a:r>
+              <a:rPr lang="en-US" sz="2400" dirty="0">
+                <a:latin typeface="+mj-lt"/>
+              </a:rPr>
+              <a:t>sensor </a:t>
+            </a:r>
+          </a:p>
+          <a:p>
+            <a:pPr marL="0" indent="0">
+              <a:buNone/>
+            </a:pPr>
+            <a:endParaRPr lang="en-US" sz="2400" dirty="0">
+              <a:latin typeface="+mj-lt"/>
+            </a:endParaRPr>
+          </a:p>
+          <a:p>
+            <a:pPr marL="0" indent="0">
+              <a:buNone/>
+            </a:pPr>
+            <a:r>
+              <a:rPr lang="en-US" sz="2400" dirty="0">
+                <a:latin typeface="+mj-lt"/>
+              </a:rPr>
+              <a:t>	3. 16x2 LCD Display</a:t>
+            </a:r>
+          </a:p>
+          <a:p>
+            <a:pPr marL="0" indent="0">
+              <a:buNone/>
+            </a:pPr>
+            <a:endParaRPr lang="en-US" sz="2400" dirty="0">
+              <a:latin typeface="+mj-lt"/>
+            </a:endParaRPr>
+          </a:p>
+          <a:p>
+            <a:pPr marL="0" indent="0">
+              <a:buNone/>
+            </a:pPr>
+            <a:endParaRPr lang="en-US" sz="2400" dirty="0">
+              <a:latin typeface="+mj-lt"/>
+            </a:endParaRPr>
+          </a:p>
+          <a:p>
+            <a:pPr marL="0" indent="0">
+              <a:buNone/>
+            </a:pPr>
+            <a:endParaRPr lang="en-US" sz="2400" dirty="0" smtClean="0">
+              <a:latin typeface="+mj-lt"/>
+            </a:endParaRPr>
+          </a:p>
+          <a:p>
+            <a:pPr marL="0" indent="0">
+              <a:buNone/>
+            </a:pPr>
+            <a:endParaRPr lang="en-IN" sz="2400" dirty="0">
+              <a:latin typeface="+mj-lt"/>
+            </a:endParaRPr>
+          </a:p>
+        </p:txBody>
+      </p:sp>
+      <p:sp>
+        <p:nvSpPr>
+          <p:cNvPr id="4" name="TextBox 3">
+            <a:extLst>
+              <a:ext uri="{FF2B5EF4-FFF2-40B4-BE49-F238E27FC236}">
+                <a16:creationId xmlns:a16="http://schemas.microsoft.com/office/drawing/2014/main" id="{8F650237-042C-4D65-9F25-813CEE4F98D6}"/>
+              </a:ext>
+            </a:extLst>
+          </p:cNvPr>
+          <p:cNvSpPr txBox="1"/>
+          <p:nvPr/>
+        </p:nvSpPr>
+        <p:spPr>
+          <a:xfrm>
+            <a:off x="5338354" y="1984081"/>
+            <a:ext cx="5356195" cy="1846659"/>
+          </a:xfrm>
+          <a:prstGeom prst="rect">
+            <a:avLst/>
+          </a:prstGeom>
+          <a:noFill/>
+        </p:spPr>
+        <p:txBody>
+          <a:bodyPr wrap="square" rtlCol="0">
+            <a:spAutoFit/>
+          </a:bodyPr>
+          <a:lstStyle/>
+          <a:p>
+            <a:pPr marL="0" marR="0" lvl="0" indent="0" algn="l" defTabSz="457200" rtl="0" eaLnBrk="1" fontAlgn="auto" latinLnBrk="0" hangingPunct="1">
+              <a:lnSpc>
+                <a:spcPct val="100000"/>
+              </a:lnSpc>
+              <a:spcBef>
+                <a:spcPts val="0"/>
+              </a:spcBef>
+              <a:spcAft>
+                <a:spcPts val="0"/>
+              </a:spcAft>
+              <a:buClrTx/>
+              <a:buSzTx/>
+              <a:buFontTx/>
+              <a:buNone/>
+              <a:tabLst/>
+              <a:defRPr/>
+            </a:pPr>
+            <a:endParaRPr kumimoji="0" lang="en-US" sz="1800" b="0" i="0" u="none" strike="noStrike" kern="1200" cap="none" spc="0" normalizeH="0" baseline="0" noProof="0" dirty="0">
+              <a:ln>
+                <a:noFill/>
+              </a:ln>
+              <a:solidFill>
+                <a:prstClr val="white"/>
+              </a:solidFill>
+              <a:effectLst/>
+              <a:uLnTx/>
+              <a:uFillTx/>
+              <a:latin typeface="Century Gothic"/>
+              <a:ea typeface="+mn-ea"/>
+              <a:cs typeface="+mn-cs"/>
+            </a:endParaRPr>
+          </a:p>
+          <a:p>
+            <a:pPr marL="0" marR="0" lvl="0" indent="0" algn="l" defTabSz="457200" rtl="0" eaLnBrk="1" fontAlgn="auto" latinLnBrk="0" hangingPunct="1">
+              <a:lnSpc>
+                <a:spcPct val="100000"/>
+              </a:lnSpc>
+              <a:spcBef>
+                <a:spcPts val="0"/>
+              </a:spcBef>
+              <a:spcAft>
+                <a:spcPts val="0"/>
+              </a:spcAft>
+              <a:buClrTx/>
+              <a:buSzTx/>
+              <a:buFontTx/>
+              <a:buNone/>
+              <a:tabLst/>
+              <a:defRPr/>
+            </a:pPr>
+            <a:r>
+              <a:rPr kumimoji="0" lang="en-US" sz="1800" b="0" i="0" u="none" strike="noStrike" kern="1200" cap="none" spc="0" normalizeH="0" baseline="0" noProof="0" dirty="0">
+                <a:ln>
+                  <a:noFill/>
+                </a:ln>
+                <a:solidFill>
+                  <a:prstClr val="white"/>
+                </a:solidFill>
+                <a:effectLst/>
+                <a:uLnTx/>
+                <a:uFillTx/>
+                <a:latin typeface="Century Gothic"/>
+                <a:ea typeface="+mn-ea"/>
+                <a:cs typeface="+mn-cs"/>
+              </a:rPr>
+              <a:t>	</a:t>
+            </a:r>
+            <a:r>
+              <a:rPr kumimoji="0" lang="en-US" sz="2400" b="0" i="0" u="none" strike="noStrike" kern="1200" cap="none" spc="0" normalizeH="0" baseline="0" noProof="0" dirty="0">
+                <a:ln>
+                  <a:noFill/>
+                </a:ln>
+                <a:solidFill>
+                  <a:schemeClr val="tx1">
+                    <a:lumMod val="75000"/>
+                    <a:lumOff val="25000"/>
+                  </a:schemeClr>
+                </a:solidFill>
+                <a:effectLst/>
+                <a:uLnTx/>
+                <a:uFillTx/>
+                <a:latin typeface="+mj-lt"/>
+              </a:rPr>
+              <a:t>	</a:t>
+            </a:r>
+            <a:r>
+              <a:rPr kumimoji="0" lang="en-US" sz="2400" b="0" i="0" u="none" strike="noStrike" kern="1200" cap="none" spc="0" normalizeH="0" baseline="0" noProof="0" dirty="0" smtClean="0">
+                <a:ln>
+                  <a:noFill/>
+                </a:ln>
+                <a:solidFill>
+                  <a:schemeClr val="tx1">
+                    <a:lumMod val="75000"/>
+                    <a:lumOff val="25000"/>
+                  </a:schemeClr>
+                </a:solidFill>
+                <a:effectLst/>
+                <a:uLnTx/>
+                <a:uFillTx/>
+                <a:latin typeface="+mj-lt"/>
+              </a:rPr>
+              <a:t>4. </a:t>
+            </a:r>
+            <a:r>
+              <a:rPr kumimoji="0" lang="en-US" sz="2400" b="0" i="0" u="none" strike="noStrike" kern="1200" cap="none" spc="0" normalizeH="0" baseline="0" noProof="0" dirty="0" err="1">
+                <a:ln>
+                  <a:noFill/>
+                </a:ln>
+                <a:solidFill>
+                  <a:schemeClr val="tx1">
+                    <a:lumMod val="75000"/>
+                    <a:lumOff val="25000"/>
+                  </a:schemeClr>
+                </a:solidFill>
+                <a:effectLst/>
+                <a:uLnTx/>
+                <a:uFillTx/>
+                <a:latin typeface="+mj-lt"/>
+              </a:rPr>
+              <a:t>Nodemcu</a:t>
+            </a:r>
+            <a:r>
+              <a:rPr kumimoji="0" lang="en-US" sz="2400" b="0" i="0" u="none" strike="noStrike" kern="1200" cap="none" spc="0" normalizeH="0" baseline="0" noProof="0" dirty="0">
+                <a:ln>
+                  <a:noFill/>
+                </a:ln>
+                <a:solidFill>
+                  <a:schemeClr val="tx1">
+                    <a:lumMod val="75000"/>
+                    <a:lumOff val="25000"/>
+                  </a:schemeClr>
+                </a:solidFill>
+                <a:effectLst/>
+                <a:uLnTx/>
+                <a:uFillTx/>
+                <a:latin typeface="+mj-lt"/>
+              </a:rPr>
+              <a:t> ESP8266	</a:t>
+            </a:r>
+          </a:p>
+          <a:p>
+            <a:pPr marL="0" marR="0" lvl="0" indent="0" algn="l" defTabSz="457200" rtl="0" eaLnBrk="1" fontAlgn="auto" latinLnBrk="0" hangingPunct="1">
+              <a:lnSpc>
+                <a:spcPct val="100000"/>
+              </a:lnSpc>
+              <a:spcBef>
+                <a:spcPts val="0"/>
+              </a:spcBef>
+              <a:spcAft>
+                <a:spcPts val="0"/>
+              </a:spcAft>
+              <a:buClrTx/>
+              <a:buSzTx/>
+              <a:buFontTx/>
+              <a:buNone/>
+              <a:tabLst/>
+              <a:defRPr/>
+            </a:pPr>
+            <a:endParaRPr kumimoji="0" lang="en-US" sz="2400" b="0" i="0" u="none" strike="noStrike" kern="1200" cap="none" spc="0" normalizeH="0" baseline="0" noProof="0" dirty="0">
+              <a:ln>
+                <a:noFill/>
+              </a:ln>
+              <a:solidFill>
+                <a:schemeClr val="tx1">
+                  <a:lumMod val="75000"/>
+                  <a:lumOff val="25000"/>
+                </a:schemeClr>
+              </a:solidFill>
+              <a:effectLst/>
+              <a:uLnTx/>
+              <a:uFillTx/>
+              <a:latin typeface="+mj-lt"/>
+            </a:endParaRPr>
+          </a:p>
+          <a:p>
+            <a:pPr marL="0" marR="0" lvl="0" indent="0" algn="l" defTabSz="457200" rtl="0" eaLnBrk="1" fontAlgn="auto" latinLnBrk="0" hangingPunct="1">
+              <a:lnSpc>
+                <a:spcPct val="100000"/>
+              </a:lnSpc>
+              <a:spcBef>
+                <a:spcPts val="0"/>
+              </a:spcBef>
+              <a:spcAft>
+                <a:spcPts val="0"/>
+              </a:spcAft>
+              <a:buClrTx/>
+              <a:buSzTx/>
+              <a:buFontTx/>
+              <a:buNone/>
+              <a:tabLst/>
+              <a:defRPr/>
+            </a:pPr>
+            <a:endParaRPr kumimoji="0" lang="en-IN" sz="2400" b="0" i="0" u="none" strike="noStrike" kern="1200" cap="none" spc="0" normalizeH="0" baseline="0" noProof="0" dirty="0" smtClean="0">
+              <a:ln>
+                <a:noFill/>
+              </a:ln>
+              <a:solidFill>
+                <a:schemeClr val="tx1">
+                  <a:lumMod val="75000"/>
+                  <a:lumOff val="25000"/>
+                </a:schemeClr>
+              </a:solidFill>
+              <a:effectLst/>
+              <a:uLnTx/>
+              <a:uFillTx/>
+              <a:latin typeface="+mj-lt"/>
+            </a:endParaRPr>
+          </a:p>
+          <a:p>
+            <a:pPr marL="0" marR="0" lvl="0" indent="0" algn="l" defTabSz="457200" rtl="0" eaLnBrk="1" fontAlgn="auto" latinLnBrk="0" hangingPunct="1">
+              <a:lnSpc>
+                <a:spcPct val="100000"/>
+              </a:lnSpc>
+              <a:spcBef>
+                <a:spcPts val="0"/>
+              </a:spcBef>
+              <a:spcAft>
+                <a:spcPts val="0"/>
+              </a:spcAft>
+              <a:buClrTx/>
+              <a:buSzTx/>
+              <a:buFontTx/>
+              <a:buNone/>
+              <a:tabLst/>
+              <a:defRPr/>
+            </a:pPr>
+            <a:r>
+              <a:rPr lang="en-IN" sz="2400" dirty="0">
+                <a:solidFill>
+                  <a:schemeClr val="tx1">
+                    <a:lumMod val="75000"/>
+                    <a:lumOff val="25000"/>
+                  </a:schemeClr>
+                </a:solidFill>
+                <a:latin typeface="+mj-lt"/>
+              </a:rPr>
+              <a:t>	</a:t>
+            </a:r>
+            <a:r>
+              <a:rPr lang="en-IN" sz="2400" dirty="0" smtClean="0">
+                <a:solidFill>
+                  <a:schemeClr val="tx1">
+                    <a:lumMod val="75000"/>
+                    <a:lumOff val="25000"/>
+                  </a:schemeClr>
+                </a:solidFill>
+                <a:latin typeface="+mj-lt"/>
+              </a:rPr>
+              <a:t>	5. LM35</a:t>
+            </a:r>
+            <a:endParaRPr kumimoji="0" lang="en-IN" sz="2400" b="0" i="0" u="none" strike="noStrike" kern="1200" cap="none" spc="0" normalizeH="0" baseline="0" noProof="0" dirty="0">
+              <a:ln>
+                <a:noFill/>
+              </a:ln>
+              <a:solidFill>
+                <a:schemeClr val="tx1">
+                  <a:lumMod val="75000"/>
+                  <a:lumOff val="25000"/>
+                </a:schemeClr>
+              </a:solidFill>
+              <a:effectLst/>
+              <a:uLnTx/>
+              <a:uFillTx/>
+              <a:latin typeface="+mj-lt"/>
+            </a:endParaRPr>
+          </a:p>
+        </p:txBody>
+      </p:sp>
+      <p:pic>
+        <p:nvPicPr>
+          <p:cNvPr id="6" name="Picture 5">
+            <a:extLst>
+              <a:ext uri="{FF2B5EF4-FFF2-40B4-BE49-F238E27FC236}">
+                <a16:creationId xmlns:a16="http://schemas.microsoft.com/office/drawing/2014/main" id="{1613BD83-B6A7-401A-8526-19B5DBD4BAE4}"/>
+              </a:ext>
+            </a:extLst>
+          </p:cNvPr>
+          <p:cNvPicPr>
+            <a:picLocks noChangeAspect="1"/>
+          </p:cNvPicPr>
+          <p:nvPr/>
+        </p:nvPicPr>
+        <p:blipFill>
+          <a:blip r:embed="rId2" cstate="print">
+            <a:extLst>
+              <a:ext uri="{28A0092B-C50C-407E-A947-70E740481C1C}">
+                <a14:useLocalDpi xmlns:a14="http://schemas.microsoft.com/office/drawing/2010/main" val="0"/>
+              </a:ext>
+            </a:extLst>
+          </a:blip>
+          <a:stretch>
+            <a:fillRect/>
+          </a:stretch>
+        </p:blipFill>
+        <p:spPr>
+          <a:xfrm>
+            <a:off x="2139028" y="2660201"/>
+            <a:ext cx="801208" cy="801208"/>
+          </a:xfrm>
+          <a:prstGeom prst="rect">
+            <a:avLst/>
+          </a:prstGeom>
+        </p:spPr>
+      </p:pic>
+      <p:pic>
+        <p:nvPicPr>
+          <p:cNvPr id="8" name="Picture 7">
+            <a:extLst>
+              <a:ext uri="{FF2B5EF4-FFF2-40B4-BE49-F238E27FC236}">
+                <a16:creationId xmlns:a16="http://schemas.microsoft.com/office/drawing/2014/main" id="{7662B44C-6A46-4B39-A803-029A17AC978E}"/>
+              </a:ext>
+            </a:extLst>
+          </p:cNvPr>
+          <p:cNvPicPr>
+            <a:picLocks noChangeAspect="1"/>
+          </p:cNvPicPr>
+          <p:nvPr/>
+        </p:nvPicPr>
+        <p:blipFill>
+          <a:blip r:embed="rId3" cstate="print">
+            <a:extLst>
+              <a:ext uri="{28A0092B-C50C-407E-A947-70E740481C1C}">
+                <a14:useLocalDpi xmlns:a14="http://schemas.microsoft.com/office/drawing/2010/main" val="0"/>
+              </a:ext>
+            </a:extLst>
+          </a:blip>
+          <a:stretch>
+            <a:fillRect/>
+          </a:stretch>
+        </p:blipFill>
+        <p:spPr>
+          <a:xfrm>
+            <a:off x="2139028" y="3845775"/>
+            <a:ext cx="801208" cy="739288"/>
+          </a:xfrm>
+          <a:prstGeom prst="rect">
+            <a:avLst/>
+          </a:prstGeom>
+        </p:spPr>
+      </p:pic>
+      <p:pic>
+        <p:nvPicPr>
+          <p:cNvPr id="14" name="Picture 13">
+            <a:extLst>
+              <a:ext uri="{FF2B5EF4-FFF2-40B4-BE49-F238E27FC236}">
+                <a16:creationId xmlns:a16="http://schemas.microsoft.com/office/drawing/2014/main" id="{6B169CC5-0A6A-4C71-8594-95D0549B6C9C}"/>
+              </a:ext>
+            </a:extLst>
+          </p:cNvPr>
+          <p:cNvPicPr>
+            <a:picLocks noChangeAspect="1"/>
+          </p:cNvPicPr>
+          <p:nvPr/>
+        </p:nvPicPr>
+        <p:blipFill>
+          <a:blip r:embed="rId4" cstate="print">
+            <a:extLst>
+              <a:ext uri="{28A0092B-C50C-407E-A947-70E740481C1C}">
+                <a14:useLocalDpi xmlns:a14="http://schemas.microsoft.com/office/drawing/2010/main" val="0"/>
+              </a:ext>
+            </a:extLst>
+          </a:blip>
+          <a:stretch>
+            <a:fillRect/>
+          </a:stretch>
+        </p:blipFill>
+        <p:spPr>
+          <a:xfrm>
+            <a:off x="2143055" y="5047558"/>
+            <a:ext cx="797181" cy="797182"/>
+          </a:xfrm>
+          <a:prstGeom prst="rect">
+            <a:avLst/>
+          </a:prstGeom>
+        </p:spPr>
+      </p:pic>
+      <p:pic>
+        <p:nvPicPr>
+          <p:cNvPr id="16" name="Picture 15">
+            <a:extLst>
+              <a:ext uri="{FF2B5EF4-FFF2-40B4-BE49-F238E27FC236}">
+                <a16:creationId xmlns:a16="http://schemas.microsoft.com/office/drawing/2014/main" id="{7855567D-0E06-430B-97B7-4B8F5DE08B97}"/>
+              </a:ext>
+            </a:extLst>
+          </p:cNvPr>
+          <p:cNvPicPr>
+            <a:picLocks noChangeAspect="1"/>
+          </p:cNvPicPr>
+          <p:nvPr/>
+        </p:nvPicPr>
+        <p:blipFill>
+          <a:blip r:embed="rId5">
+            <a:extLst>
+              <a:ext uri="{28A0092B-C50C-407E-A947-70E740481C1C}">
+                <a14:useLocalDpi xmlns:a14="http://schemas.microsoft.com/office/drawing/2010/main" val="0"/>
+              </a:ext>
+            </a:extLst>
+          </a:blip>
+          <a:stretch>
+            <a:fillRect/>
+          </a:stretch>
+        </p:blipFill>
+        <p:spPr>
+          <a:xfrm>
+            <a:off x="6780261" y="2660201"/>
+            <a:ext cx="797182" cy="738664"/>
+          </a:xfrm>
+          <a:prstGeom prst="rect">
+            <a:avLst/>
+          </a:prstGeom>
+        </p:spPr>
+      </p:pic>
+      <p:pic>
+        <p:nvPicPr>
+          <p:cNvPr id="5" name="Picture 4"/>
+          <p:cNvPicPr>
+            <a:picLocks noChangeAspect="1"/>
+          </p:cNvPicPr>
+          <p:nvPr/>
+        </p:nvPicPr>
+        <p:blipFill>
+          <a:blip r:embed="rId6" cstate="hqprint">
+            <a:extLst>
+              <a:ext uri="{28A0092B-C50C-407E-A947-70E740481C1C}">
+                <a14:useLocalDpi xmlns:a14="http://schemas.microsoft.com/office/drawing/2010/main" val="0"/>
+              </a:ext>
+            </a:extLst>
+          </a:blip>
+          <a:stretch>
+            <a:fillRect/>
+          </a:stretch>
+        </p:blipFill>
+        <p:spPr>
+          <a:xfrm>
+            <a:off x="6780262" y="3845775"/>
+            <a:ext cx="797182" cy="739288"/>
+          </a:xfrm>
+          <a:prstGeom prst="rect">
+            <a:avLst/>
+          </a:prstGeom>
+        </p:spPr>
+      </p:pic>
+    </p:spTree>
+    <p:extLst>
+      <p:ext uri="{BB962C8B-B14F-4D97-AF65-F5344CB8AC3E}">
+        <p14:creationId xmlns:p14="http://schemas.microsoft.com/office/powerpoint/2010/main" val="4143139251"/>
+      </p:ext>
+    </p:extLst>
+  </p:cSld>
+  <p:clrMapOvr>
+    <a:masterClrMapping/>
+  </p:clrMapOvr>
+</p:sld>
+</file>
+
+<file path=ppt/slides/slide7.xml><?xml version="1.0" encoding="utf-8"?>
+<p:sld xmlns:a="http://schemas.openxmlformats.org/drawingml/2006/main" xmlns:r="http://schemas.openxmlformats.org/officeDocument/2006/relationships" xmlns:p="http://schemas.openxmlformats.org/presentationml/2006/main">
+  <p:cSld>
+    <p:spTree>
+      <p:nvGrpSpPr>
+        <p:cNvPr id="1" name=""/>
+        <p:cNvGrpSpPr/>
+        <p:nvPr/>
+      </p:nvGrpSpPr>
+      <p:grpSpPr>
+        <a:xfrm>
+          <a:off x="0" y="0"/>
+          <a:ext cx="0" cy="0"/>
+          <a:chOff x="0" y="0"/>
+          <a:chExt cx="0" cy="0"/>
+        </a:xfrm>
+      </p:grpSpPr>
+      <p:sp>
+        <p:nvSpPr>
+          <p:cNvPr id="2" name="Title 1"/>
+          <p:cNvSpPr>
+            <a:spLocks noGrp="1"/>
+          </p:cNvSpPr>
+          <p:nvPr>
+            <p:ph type="title"/>
+          </p:nvPr>
+        </p:nvSpPr>
+        <p:spPr/>
+        <p:txBody>
+          <a:bodyPr/>
+          <a:lstStyle/>
+          <a:p>
+            <a:pPr algn="ctr"/>
+            <a:r>
+              <a:rPr lang="en-US" dirty="0" smtClean="0"/>
+              <a:t>Conclusion</a:t>
+            </a:r>
+            <a:endParaRPr lang="en-US" dirty="0"/>
+          </a:p>
+        </p:txBody>
+      </p:sp>
+      <p:sp>
+        <p:nvSpPr>
+          <p:cNvPr id="3" name="Content Placeholder 2"/>
+          <p:cNvSpPr>
+            <a:spLocks noGrp="1"/>
+          </p:cNvSpPr>
+          <p:nvPr>
+            <p:ph idx="1"/>
+          </p:nvPr>
+        </p:nvSpPr>
+        <p:spPr/>
+        <p:txBody>
+          <a:bodyPr>
+            <a:normAutofit/>
+          </a:bodyPr>
+          <a:lstStyle/>
+          <a:p>
+            <a:r>
+              <a:rPr lang="en-US" sz="2400" dirty="0">
+                <a:latin typeface="+mj-lt"/>
+              </a:rPr>
+              <a:t>Our device </a:t>
+            </a:r>
+            <a:r>
+              <a:rPr lang="en-US" sz="2400" dirty="0" smtClean="0">
+                <a:latin typeface="+mj-lt"/>
+              </a:rPr>
+              <a:t>is a </a:t>
+            </a:r>
+            <a:r>
+              <a:rPr lang="en-US" sz="2400" dirty="0">
+                <a:latin typeface="+mj-lt"/>
+              </a:rPr>
+              <a:t>low cost, quick and effective solution for the </a:t>
+            </a:r>
+            <a:r>
+              <a:rPr lang="en-US" sz="2400" dirty="0" smtClean="0">
+                <a:latin typeface="+mj-lt"/>
+              </a:rPr>
+              <a:t>victim </a:t>
+            </a:r>
+            <a:r>
+              <a:rPr lang="en-US" sz="2400" dirty="0">
+                <a:latin typeface="+mj-lt"/>
+              </a:rPr>
+              <a:t>in emergency situations.</a:t>
+            </a:r>
+          </a:p>
+          <a:p>
+            <a:endParaRPr lang="en-US" sz="2400" dirty="0">
+              <a:latin typeface="+mj-lt"/>
+            </a:endParaRPr>
+          </a:p>
+        </p:txBody>
+      </p:sp>
+    </p:spTree>
+    <p:extLst>
+      <p:ext uri="{BB962C8B-B14F-4D97-AF65-F5344CB8AC3E}">
+        <p14:creationId xmlns:p14="http://schemas.microsoft.com/office/powerpoint/2010/main" val="1491507583"/>
+      </p:ext>
+    </p:extLst>
+  </p:cSld>
+  <p:clrMapOvr>
+    <a:masterClrMapping/>
+  </p:clrMapOvr>
+</p:sld>
+</file>
+
+<file path=ppt/slides/slide8.xml><?xml version="1.0" encoding="utf-8"?>
+<p:sld xmlns:a="http://schemas.openxmlformats.org/drawingml/2006/main" xmlns:r="http://schemas.openxmlformats.org/officeDocument/2006/relationships" xmlns:p="http://schemas.openxmlformats.org/presentationml/2006/main">
+  <p:cSld>
+    <p:spTree>
+      <p:nvGrpSpPr>
+        <p:cNvPr id="1" name=""/>
+        <p:cNvGrpSpPr/>
+        <p:nvPr/>
+      </p:nvGrpSpPr>
+      <p:grpSpPr>
+        <a:xfrm>
+          <a:off x="0" y="0"/>
+          <a:ext cx="0" cy="0"/>
+          <a:chOff x="0" y="0"/>
+          <a:chExt cx="0" cy="0"/>
+        </a:xfrm>
+      </p:grpSpPr>
+      <p:sp>
+        <p:nvSpPr>
+          <p:cNvPr id="2" name="Title 1"/>
+          <p:cNvSpPr>
+            <a:spLocks noGrp="1"/>
+          </p:cNvSpPr>
+          <p:nvPr>
+            <p:ph type="title"/>
+          </p:nvPr>
+        </p:nvSpPr>
+        <p:spPr>
+          <a:xfrm>
+            <a:off x="1097280" y="2495006"/>
+            <a:ext cx="10058400" cy="1190026"/>
+          </a:xfrm>
+        </p:spPr>
+        <p:txBody>
+          <a:bodyPr>
+            <a:normAutofit/>
+          </a:bodyPr>
+          <a:lstStyle/>
+          <a:p>
+            <a:pPr algn="ctr"/>
+            <a:r>
+              <a:rPr lang="en-US" sz="6000" dirty="0" smtClean="0"/>
+              <a:t>THANK YOU!</a:t>
+            </a:r>
+            <a:endParaRPr lang="en-US" sz="6000" dirty="0"/>
+          </a:p>
+        </p:txBody>
+      </p:sp>
+      <p:sp>
+        <p:nvSpPr>
+          <p:cNvPr id="3" name="Text Placeholder 2"/>
+          <p:cNvSpPr>
+            <a:spLocks noGrp="1"/>
+          </p:cNvSpPr>
+          <p:nvPr>
+            <p:ph type="body" idx="1"/>
+          </p:nvPr>
+        </p:nvSpPr>
+        <p:spPr>
+          <a:xfrm>
+            <a:off x="1097280" y="6387737"/>
+            <a:ext cx="10058400" cy="1143000"/>
+          </a:xfrm>
+        </p:spPr>
+        <p:txBody>
+          <a:bodyPr/>
+          <a:lstStyle/>
+          <a:p>
+            <a:endParaRPr lang="en-US" dirty="0"/>
+          </a:p>
+        </p:txBody>
+      </p:sp>
+    </p:spTree>
+    <p:extLst>
+      <p:ext uri="{BB962C8B-B14F-4D97-AF65-F5344CB8AC3E}">
+        <p14:creationId xmlns:p14="http://schemas.microsoft.com/office/powerpoint/2010/main" val="2936737397"/>
       </p:ext>
     </p:extLst>
   </p:cSld>
